--- a/Practica_AI_SR.pptx
+++ b/Practica_AI_SR.pptx
@@ -5,7 +5,7 @@
     <p:sldMasterId id="2147483806" r:id="rId1"/>
   </p:sldMasterIdLst>
   <p:notesMasterIdLst>
-    <p:notesMasterId r:id="rId9"/>
+    <p:notesMasterId r:id="rId10"/>
   </p:notesMasterIdLst>
   <p:sldIdLst>
     <p:sldId id="256" r:id="rId2"/>
@@ -15,6 +15,7 @@
     <p:sldId id="264" r:id="rId6"/>
     <p:sldId id="265" r:id="rId7"/>
     <p:sldId id="266" r:id="rId8"/>
+    <p:sldId id="267" r:id="rId9"/>
   </p:sldIdLst>
   <p:sldSz cx="12192000" cy="6858000"/>
   <p:notesSz cx="6858000" cy="9144000"/>
@@ -113,6 +114,11 @@
       </a:defRPr>
     </a:lvl9pPr>
   </p:defaultTextStyle>
+  <p:extLst>
+    <p:ext uri="{EFAFB233-063F-42B5-8137-9DF3F51BA10A}">
+      <p15:sldGuideLst xmlns:p15="http://schemas.microsoft.com/office/powerpoint/2012/main"/>
+    </p:ext>
+  </p:extLst>
 </p:presentation>
 </file>
 
@@ -198,7 +204,7 @@
           <a:p>
             <a:fld id="{21A29407-7638-EA4C-92EA-0FDC5EFF41B0}" type="datetimeFigureOut">
               <a:rPr lang="es-ES" smtClean="0"/>
-              <a:t>28/2/25</a:t>
+              <a:t>2/3/25</a:t>
             </a:fld>
             <a:endParaRPr lang="es-ES"/>
           </a:p>
@@ -873,6 +879,114 @@
 </p:notes>
 </file>
 
+<file path=ppt/notesSlides/notesSlide5.xml><?xml version="1.0" encoding="utf-8"?>
+<p:notes xmlns:a="http://schemas.openxmlformats.org/drawingml/2006/main" xmlns:r="http://schemas.openxmlformats.org/officeDocument/2006/relationships" xmlns:p="http://schemas.openxmlformats.org/presentationml/2006/main">
+  <p:cSld>
+    <p:spTree>
+      <p:nvGrpSpPr>
+        <p:cNvPr id="1" name="">
+          <a:extLst>
+            <a:ext uri="{FF2B5EF4-FFF2-40B4-BE49-F238E27FC236}">
+              <a16:creationId xmlns:a16="http://schemas.microsoft.com/office/drawing/2014/main" id="{BEF4930C-FEE2-C15B-4109-9E8C97F10D30}"/>
+            </a:ext>
+          </a:extLst>
+        </p:cNvPr>
+        <p:cNvGrpSpPr/>
+        <p:nvPr/>
+      </p:nvGrpSpPr>
+      <p:grpSpPr>
+        <a:xfrm>
+          <a:off x="0" y="0"/>
+          <a:ext cx="0" cy="0"/>
+          <a:chOff x="0" y="0"/>
+          <a:chExt cx="0" cy="0"/>
+        </a:xfrm>
+      </p:grpSpPr>
+      <p:sp>
+        <p:nvSpPr>
+          <p:cNvPr id="2" name="Marcador de imagen de diapositiva 1">
+            <a:extLst>
+              <a:ext uri="{FF2B5EF4-FFF2-40B4-BE49-F238E27FC236}">
+                <a16:creationId xmlns:a16="http://schemas.microsoft.com/office/drawing/2014/main" id="{64D135EE-DE19-BE2E-1278-F2303FD02A2E}"/>
+              </a:ext>
+            </a:extLst>
+          </p:cNvPr>
+          <p:cNvSpPr>
+            <a:spLocks noGrp="1" noRot="1" noChangeAspect="1"/>
+          </p:cNvSpPr>
+          <p:nvPr>
+            <p:ph type="sldImg"/>
+          </p:nvPr>
+        </p:nvSpPr>
+        <p:spPr/>
+      </p:sp>
+      <p:sp>
+        <p:nvSpPr>
+          <p:cNvPr id="3" name="Marcador de notas 2">
+            <a:extLst>
+              <a:ext uri="{FF2B5EF4-FFF2-40B4-BE49-F238E27FC236}">
+                <a16:creationId xmlns:a16="http://schemas.microsoft.com/office/drawing/2014/main" id="{0388D89F-2DB7-628F-0E17-47F41136E14B}"/>
+              </a:ext>
+            </a:extLst>
+          </p:cNvPr>
+          <p:cNvSpPr>
+            <a:spLocks noGrp="1"/>
+          </p:cNvSpPr>
+          <p:nvPr>
+            <p:ph type="body" idx="1"/>
+          </p:nvPr>
+        </p:nvSpPr>
+        <p:spPr/>
+        <p:txBody>
+          <a:bodyPr/>
+          <a:lstStyle/>
+          <a:p>
+            <a:endParaRPr lang="es-ES_tradnl" noProof="0" dirty="0"/>
+          </a:p>
+        </p:txBody>
+      </p:sp>
+      <p:sp>
+        <p:nvSpPr>
+          <p:cNvPr id="4" name="Marcador de número de diapositiva 3">
+            <a:extLst>
+              <a:ext uri="{FF2B5EF4-FFF2-40B4-BE49-F238E27FC236}">
+                <a16:creationId xmlns:a16="http://schemas.microsoft.com/office/drawing/2014/main" id="{D30DE756-9EA9-6A86-31B0-320F0C78E34F}"/>
+              </a:ext>
+            </a:extLst>
+          </p:cNvPr>
+          <p:cNvSpPr>
+            <a:spLocks noGrp="1"/>
+          </p:cNvSpPr>
+          <p:nvPr>
+            <p:ph type="sldNum" sz="quarter" idx="5"/>
+          </p:nvPr>
+        </p:nvSpPr>
+        <p:spPr/>
+        <p:txBody>
+          <a:bodyPr/>
+          <a:lstStyle/>
+          <a:p>
+            <a:fld id="{5212F89C-423B-834C-9AE7-347A681B3422}" type="slidenum">
+              <a:rPr lang="es-ES" smtClean="0"/>
+              <a:t>8</a:t>
+            </a:fld>
+            <a:endParaRPr lang="es-ES"/>
+          </a:p>
+        </p:txBody>
+      </p:sp>
+    </p:spTree>
+    <p:extLst>
+      <p:ext uri="{BB962C8B-B14F-4D97-AF65-F5344CB8AC3E}">
+        <p14:creationId xmlns:p14="http://schemas.microsoft.com/office/powerpoint/2010/main" val="4188350898"/>
+      </p:ext>
+    </p:extLst>
+  </p:cSld>
+  <p:clrMapOvr>
+    <a:masterClrMapping/>
+  </p:clrMapOvr>
+</p:notes>
+</file>
+
 <file path=ppt/slideLayouts/slideLayout1.xml><?xml version="1.0" encoding="utf-8"?>
 <p:sldLayout xmlns:a="http://schemas.openxmlformats.org/drawingml/2006/main" xmlns:r="http://schemas.openxmlformats.org/officeDocument/2006/relationships" xmlns:p="http://schemas.openxmlformats.org/presentationml/2006/main" type="title" preserve="1">
   <p:cSld name="Title Slide">
@@ -1026,7 +1140,7 @@
           <a:p>
             <a:fld id="{C128FA71-3A18-48C0-980F-4B68F7F63042}" type="datetime1">
               <a:rPr lang="en-US" smtClean="0"/>
-              <a:t>2/28/25</a:t>
+              <a:t>3/2/25</a:t>
             </a:fld>
             <a:endParaRPr lang="en-US"/>
           </a:p>
@@ -1234,7 +1348,7 @@
           <a:p>
             <a:fld id="{7104EDB3-C0E8-45F8-9E1D-1B6C8D1880C0}" type="datetime1">
               <a:rPr lang="en-US" smtClean="0"/>
-              <a:t>2/28/25</a:t>
+              <a:t>3/2/25</a:t>
             </a:fld>
             <a:endParaRPr lang="en-US"/>
           </a:p>
@@ -1444,7 +1558,7 @@
           <a:p>
             <a:fld id="{9CF0EC4B-54ED-4041-B552-9BA760FA3DBA}" type="datetime1">
               <a:rPr lang="en-US" smtClean="0"/>
-              <a:t>2/28/25</a:t>
+              <a:t>3/2/25</a:t>
             </a:fld>
             <a:endParaRPr lang="en-US"/>
           </a:p>
@@ -1642,7 +1756,7 @@
           <a:p>
             <a:fld id="{51C1210E-201E-4473-82AC-2466F5386C38}" type="datetime1">
               <a:rPr lang="en-US" smtClean="0"/>
-              <a:t>2/28/25</a:t>
+              <a:t>3/2/25</a:t>
             </a:fld>
             <a:endParaRPr lang="en-US"/>
           </a:p>
@@ -1920,7 +2034,7 @@
           <a:p>
             <a:fld id="{B01EA198-6CAB-4B8F-B93F-1F9C8C4B6CE7}" type="datetime1">
               <a:rPr lang="en-US" smtClean="0"/>
-              <a:t>2/28/25</a:t>
+              <a:t>3/2/25</a:t>
             </a:fld>
             <a:endParaRPr lang="en-US"/>
           </a:p>
@@ -2192,7 +2306,7 @@
           <a:p>
             <a:fld id="{CA06041F-4525-44D5-AA4F-332294BF1F56}" type="datetime1">
               <a:rPr lang="en-US" smtClean="0"/>
-              <a:t>2/28/25</a:t>
+              <a:t>3/2/25</a:t>
             </a:fld>
             <a:endParaRPr lang="en-US"/>
           </a:p>
@@ -2616,7 +2730,7 @@
           <a:p>
             <a:fld id="{F9557091-BBDF-4EB9-BA6B-2BB67AC4FC0F}" type="datetime1">
               <a:rPr lang="en-US" smtClean="0"/>
-              <a:t>2/28/25</a:t>
+              <a:t>3/2/25</a:t>
             </a:fld>
             <a:endParaRPr lang="en-US"/>
           </a:p>
@@ -2757,7 +2871,7 @@
           <a:p>
             <a:fld id="{2D6B226B-77A6-410C-9796-083F278E0125}" type="datetime1">
               <a:rPr lang="en-US" smtClean="0"/>
-              <a:t>2/28/25</a:t>
+              <a:t>3/2/25</a:t>
             </a:fld>
             <a:endParaRPr lang="en-US"/>
           </a:p>
@@ -2870,7 +2984,7 @@
           <a:p>
             <a:fld id="{A23A578B-D289-4C40-8593-3D356C49DA58}" type="datetime1">
               <a:rPr lang="en-US" smtClean="0"/>
-              <a:t>2/28/25</a:t>
+              <a:t>3/2/25</a:t>
             </a:fld>
             <a:endParaRPr lang="en-US"/>
           </a:p>
@@ -3189,7 +3303,7 @@
           <a:p>
             <a:fld id="{713DFAE3-14DB-48A7-A80F-80DDB072CE3D}" type="datetime1">
               <a:rPr lang="en-US" smtClean="0"/>
-              <a:t>2/28/25</a:t>
+              <a:t>3/2/25</a:t>
             </a:fld>
             <a:endParaRPr lang="en-US"/>
           </a:p>
@@ -3483,7 +3597,7 @@
           <a:p>
             <a:fld id="{92C5EAEF-6478-4102-8F5D-A5FE9FC97ACB}" type="datetime1">
               <a:rPr lang="en-US" smtClean="0"/>
-              <a:t>2/28/25</a:t>
+              <a:t>3/2/25</a:t>
             </a:fld>
             <a:endParaRPr lang="en-US"/>
           </a:p>
@@ -3724,7 +3838,7 @@
           <a:p>
             <a:fld id="{67F45AC6-C491-4585-A584-9CE2AF7D5500}" type="datetime1">
               <a:rPr lang="en-US" smtClean="0"/>
-              <a:t>2/28/25</a:t>
+              <a:t>3/2/25</a:t>
             </a:fld>
             <a:endParaRPr lang="en-US"/>
           </a:p>
@@ -8699,6 +8813,390 @@
     <p:extLst>
       <p:ext uri="{BB962C8B-B14F-4D97-AF65-F5344CB8AC3E}">
         <p14:creationId xmlns:p14="http://schemas.microsoft.com/office/powerpoint/2010/main" val="3125356160"/>
+      </p:ext>
+    </p:extLst>
+  </p:cSld>
+  <p:clrMapOvr>
+    <a:masterClrMapping/>
+  </p:clrMapOvr>
+  <p:timing>
+    <p:tnLst>
+      <p:par>
+        <p:cTn id="1" dur="indefinite" restart="never" nodeType="tmRoot">
+          <p:childTnLst>
+            <p:seq concurrent="1" nextAc="seek">
+              <p:cTn id="2" dur="indefinite" nodeType="mainSeq">
+                <p:childTnLst>
+                  <p:par>
+                    <p:cTn id="3" fill="hold">
+                      <p:stCondLst>
+                        <p:cond delay="indefinite"/>
+                        <p:cond evt="onBegin" delay="0">
+                          <p:tn val="2"/>
+                        </p:cond>
+                      </p:stCondLst>
+                      <p:childTnLst>
+                        <p:par>
+                          <p:cTn id="4" fill="hold">
+                            <p:stCondLst>
+                              <p:cond delay="0"/>
+                            </p:stCondLst>
+                            <p:childTnLst>
+                              <p:par>
+                                <p:cTn id="5" presetID="10" presetClass="entr" presetSubtype="0" fill="hold" grpId="0" nodeType="withEffect">
+                                  <p:stCondLst>
+                                    <p:cond delay="1000"/>
+                                  </p:stCondLst>
+                                  <p:iterate>
+                                    <p:tmPct val="10000"/>
+                                  </p:iterate>
+                                  <p:childTnLst>
+                                    <p:set>
+                                      <p:cBhvr>
+                                        <p:cTn id="6" dur="1" fill="hold">
+                                          <p:stCondLst>
+                                            <p:cond delay="0"/>
+                                          </p:stCondLst>
+                                        </p:cTn>
+                                        <p:tgtEl>
+                                          <p:spTgt spid="2"/>
+                                        </p:tgtEl>
+                                        <p:attrNameLst>
+                                          <p:attrName>style.visibility</p:attrName>
+                                        </p:attrNameLst>
+                                      </p:cBhvr>
+                                      <p:to>
+                                        <p:strVal val="visible"/>
+                                      </p:to>
+                                    </p:set>
+                                    <p:animEffect transition="in" filter="fade">
+                                      <p:cBhvr>
+                                        <p:cTn id="7" dur="700"/>
+                                        <p:tgtEl>
+                                          <p:spTgt spid="2"/>
+                                        </p:tgtEl>
+                                      </p:cBhvr>
+                                    </p:animEffect>
+                                  </p:childTnLst>
+                                </p:cTn>
+                              </p:par>
+                            </p:childTnLst>
+                          </p:cTn>
+                        </p:par>
+                      </p:childTnLst>
+                    </p:cTn>
+                  </p:par>
+                </p:childTnLst>
+              </p:cTn>
+              <p:prevCondLst>
+                <p:cond evt="onPrev" delay="0">
+                  <p:tgtEl>
+                    <p:sldTgt/>
+                  </p:tgtEl>
+                </p:cond>
+              </p:prevCondLst>
+              <p:nextCondLst>
+                <p:cond evt="onNext" delay="0">
+                  <p:tgtEl>
+                    <p:sldTgt/>
+                  </p:tgtEl>
+                </p:cond>
+              </p:nextCondLst>
+            </p:seq>
+          </p:childTnLst>
+        </p:cTn>
+      </p:par>
+    </p:tnLst>
+    <p:bldLst>
+      <p:bldP spid="2" grpId="0"/>
+    </p:bldLst>
+  </p:timing>
+</p:sld>
+</file>
+
+<file path=ppt/slides/slide8.xml><?xml version="1.0" encoding="utf-8"?>
+<p:sld xmlns:a="http://schemas.openxmlformats.org/drawingml/2006/main" xmlns:r="http://schemas.openxmlformats.org/officeDocument/2006/relationships" xmlns:p="http://schemas.openxmlformats.org/presentationml/2006/main">
+  <p:cSld>
+    <p:bg>
+      <p:bgPr>
+        <a:solidFill>
+          <a:schemeClr val="bg1"/>
+        </a:solidFill>
+        <a:effectLst/>
+      </p:bgPr>
+    </p:bg>
+    <p:spTree>
+      <p:nvGrpSpPr>
+        <p:cNvPr id="1" name="">
+          <a:extLst>
+            <a:ext uri="{FF2B5EF4-FFF2-40B4-BE49-F238E27FC236}">
+              <a16:creationId xmlns:a16="http://schemas.microsoft.com/office/drawing/2014/main" id="{4D6F62ED-CE16-8F2A-A022-B352F50A2C67}"/>
+            </a:ext>
+          </a:extLst>
+        </p:cNvPr>
+        <p:cNvGrpSpPr/>
+        <p:nvPr/>
+      </p:nvGrpSpPr>
+      <p:grpSpPr>
+        <a:xfrm>
+          <a:off x="0" y="0"/>
+          <a:ext cx="0" cy="0"/>
+          <a:chOff x="0" y="0"/>
+          <a:chExt cx="0" cy="0"/>
+        </a:xfrm>
+      </p:grpSpPr>
+      <p:sp>
+        <p:nvSpPr>
+          <p:cNvPr id="45" name="Rectangle 40">
+            <a:extLst>
+              <a:ext uri="{FF2B5EF4-FFF2-40B4-BE49-F238E27FC236}">
+                <a16:creationId xmlns:a16="http://schemas.microsoft.com/office/drawing/2014/main" id="{2D6E859D-CE09-6B99-BB80-26781CACE5F8}"/>
+              </a:ext>
+              <a:ext uri="{C183D7F6-B498-43B3-948B-1728B52AA6E4}">
+                <adec:decorative xmlns:adec="http://schemas.microsoft.com/office/drawing/2017/decorative" val="1"/>
+              </a:ext>
+            </a:extLst>
+          </p:cNvPr>
+          <p:cNvSpPr>
+            <a:spLocks noGrp="1" noRot="1" noChangeAspect="1" noMove="1" noResize="1" noEditPoints="1" noAdjustHandles="1" noChangeArrowheads="1" noChangeShapeType="1" noTextEdit="1"/>
+          </p:cNvSpPr>
+          <p:nvPr>
+            <p:extLst>
+              <p:ext uri="{386F3935-93C4-4BCD-93E2-E3B085C9AB24}">
+                <p16:designElem xmlns:p16="http://schemas.microsoft.com/office/powerpoint/2015/main" val="1"/>
+              </p:ext>
+            </p:extLst>
+          </p:nvPr>
+        </p:nvSpPr>
+        <p:spPr>
+          <a:xfrm>
+            <a:off x="0" y="0"/>
+            <a:ext cx="12192000" cy="6858000"/>
+          </a:xfrm>
+          <a:prstGeom prst="rect">
+            <a:avLst/>
+          </a:prstGeom>
+          <a:solidFill>
+            <a:schemeClr val="bg1"/>
+          </a:solidFill>
+          <a:ln w="12700" cap="flat" cmpd="sng" algn="ctr">
+            <a:noFill/>
+            <a:prstDash val="solid"/>
+            <a:miter lim="800000"/>
+          </a:ln>
+          <a:effectLst/>
+          <a:extLst>
+            <a:ext uri="{91240B29-F687-4F45-9708-019B960494DF}">
+              <a14:hiddenLine xmlns:a14="http://schemas.microsoft.com/office/drawing/2010/main" w="12700" cap="flat" cmpd="sng" algn="ctr">
+                <a:solidFill>
+                  <a:schemeClr val="accent1">
+                    <a:shade val="15000"/>
+                  </a:schemeClr>
+                </a:solidFill>
+                <a:prstDash val="solid"/>
+                <a:miter lim="800000"/>
+              </a14:hiddenLine>
+            </a:ext>
+          </a:extLst>
+        </p:spPr>
+        <p:style>
+          <a:lnRef idx="2">
+            <a:schemeClr val="accent1">
+              <a:shade val="15000"/>
+            </a:schemeClr>
+          </a:lnRef>
+          <a:fillRef idx="1">
+            <a:schemeClr val="accent1"/>
+          </a:fillRef>
+          <a:effectRef idx="0">
+            <a:schemeClr val="accent1"/>
+          </a:effectRef>
+          <a:fontRef idx="minor">
+            <a:schemeClr val="lt1"/>
+          </a:fontRef>
+        </p:style>
+        <p:txBody>
+          <a:bodyPr rtlCol="0" anchor="ctr"/>
+          <a:lstStyle/>
+          <a:p>
+            <a:pPr algn="ctr"/>
+            <a:endParaRPr lang="en-US"/>
+          </a:p>
+        </p:txBody>
+      </p:sp>
+      <p:sp>
+        <p:nvSpPr>
+          <p:cNvPr id="2" name="Título 1">
+            <a:extLst>
+              <a:ext uri="{FF2B5EF4-FFF2-40B4-BE49-F238E27FC236}">
+                <a16:creationId xmlns:a16="http://schemas.microsoft.com/office/drawing/2014/main" id="{896AB183-F4E7-DF6A-A678-C3CC242AE609}"/>
+              </a:ext>
+            </a:extLst>
+          </p:cNvPr>
+          <p:cNvSpPr>
+            <a:spLocks noGrp="1"/>
+          </p:cNvSpPr>
+          <p:nvPr>
+            <p:ph type="ctrTitle"/>
+          </p:nvPr>
+        </p:nvSpPr>
+        <p:spPr>
+          <a:xfrm>
+            <a:off x="354835" y="359303"/>
+            <a:ext cx="7157620" cy="625511"/>
+          </a:xfrm>
+        </p:spPr>
+        <p:txBody>
+          <a:bodyPr vert="horz" lIns="91440" tIns="45720" rIns="91440" bIns="45720" rtlCol="0">
+            <a:normAutofit/>
+          </a:bodyPr>
+          <a:lstStyle/>
+          <a:p>
+            <a:r>
+              <a:rPr lang="en-US" sz="3200" dirty="0">
+                <a:solidFill>
+                  <a:srgbClr val="002060"/>
+                </a:solidFill>
+                <a:latin typeface="Arial" panose="020B0604020202020204" pitchFamily="34" charset="0"/>
+                <a:cs typeface="Arial" panose="020B0604020202020204" pitchFamily="34" charset="0"/>
+              </a:rPr>
+              <a:t>7</a:t>
+            </a:r>
+            <a:r>
+              <a:rPr lang="en-US" sz="3200" b="1" kern="1200" dirty="0">
+                <a:solidFill>
+                  <a:srgbClr val="002060"/>
+                </a:solidFill>
+                <a:latin typeface="Arial" panose="020B0604020202020204" pitchFamily="34" charset="0"/>
+                <a:cs typeface="Arial" panose="020B0604020202020204" pitchFamily="34" charset="0"/>
+              </a:rPr>
+              <a:t>. </a:t>
+            </a:r>
+            <a:r>
+              <a:rPr lang="es-ES" sz="3200" dirty="0">
+                <a:solidFill>
+                  <a:srgbClr val="002060"/>
+                </a:solidFill>
+                <a:latin typeface="Arial" panose="020B0604020202020204" pitchFamily="34" charset="0"/>
+                <a:cs typeface="Arial" panose="020B0604020202020204" pitchFamily="34" charset="0"/>
+              </a:rPr>
+              <a:t>Publicación </a:t>
+            </a:r>
+            <a:r>
+              <a:rPr lang="es-ES" sz="3200" dirty="0" err="1">
+                <a:solidFill>
+                  <a:srgbClr val="002060"/>
+                </a:solidFill>
+                <a:latin typeface="Arial" panose="020B0604020202020204" pitchFamily="34" charset="0"/>
+                <a:cs typeface="Arial" panose="020B0604020202020204" pitchFamily="34" charset="0"/>
+              </a:rPr>
+              <a:t>Hugging</a:t>
+            </a:r>
+            <a:r>
+              <a:rPr lang="es-ES" sz="3200" dirty="0">
+                <a:solidFill>
+                  <a:srgbClr val="002060"/>
+                </a:solidFill>
+                <a:latin typeface="Arial" panose="020B0604020202020204" pitchFamily="34" charset="0"/>
+                <a:cs typeface="Arial" panose="020B0604020202020204" pitchFamily="34" charset="0"/>
+              </a:rPr>
+              <a:t> </a:t>
+            </a:r>
+            <a:r>
+              <a:rPr lang="es-ES" sz="3200" dirty="0" err="1">
+                <a:solidFill>
+                  <a:srgbClr val="002060"/>
+                </a:solidFill>
+                <a:latin typeface="Arial" panose="020B0604020202020204" pitchFamily="34" charset="0"/>
+                <a:cs typeface="Arial" panose="020B0604020202020204" pitchFamily="34" charset="0"/>
+              </a:rPr>
+              <a:t>Face</a:t>
+            </a:r>
+            <a:endParaRPr lang="en-US" sz="3200" b="1" kern="1200" dirty="0">
+              <a:solidFill>
+                <a:srgbClr val="002060"/>
+              </a:solidFill>
+              <a:latin typeface="Arial" panose="020B0604020202020204" pitchFamily="34" charset="0"/>
+              <a:cs typeface="Arial" panose="020B0604020202020204" pitchFamily="34" charset="0"/>
+            </a:endParaRPr>
+          </a:p>
+        </p:txBody>
+      </p:sp>
+      <p:pic>
+        <p:nvPicPr>
+          <p:cNvPr id="7" name="Imagen 6">
+            <a:extLst>
+              <a:ext uri="{FF2B5EF4-FFF2-40B4-BE49-F238E27FC236}">
+                <a16:creationId xmlns:a16="http://schemas.microsoft.com/office/drawing/2014/main" id="{4B9DE54C-1ADA-8C28-FD9A-A47F333F3E3D}"/>
+              </a:ext>
+            </a:extLst>
+          </p:cNvPr>
+          <p:cNvPicPr>
+            <a:picLocks noChangeAspect="1"/>
+          </p:cNvPicPr>
+          <p:nvPr/>
+        </p:nvPicPr>
+        <p:blipFill>
+          <a:blip r:embed="rId3"/>
+          <a:stretch>
+            <a:fillRect/>
+          </a:stretch>
+        </p:blipFill>
+        <p:spPr>
+          <a:xfrm>
+            <a:off x="8384876" y="2027209"/>
+            <a:ext cx="3459331" cy="3389244"/>
+          </a:xfrm>
+          <a:prstGeom prst="rect">
+            <a:avLst/>
+          </a:prstGeom>
+        </p:spPr>
+      </p:pic>
+      <p:sp>
+        <p:nvSpPr>
+          <p:cNvPr id="4" name="CuadroTexto 3">
+            <a:extLst>
+              <a:ext uri="{FF2B5EF4-FFF2-40B4-BE49-F238E27FC236}">
+                <a16:creationId xmlns:a16="http://schemas.microsoft.com/office/drawing/2014/main" id="{EAA71CAB-305D-1B82-7405-1C9B3FD72651}"/>
+              </a:ext>
+            </a:extLst>
+          </p:cNvPr>
+          <p:cNvSpPr txBox="1"/>
+          <p:nvPr/>
+        </p:nvSpPr>
+        <p:spPr>
+          <a:xfrm>
+            <a:off x="664235" y="3152001"/>
+            <a:ext cx="7004648" cy="830997"/>
+          </a:xfrm>
+          <a:prstGeom prst="rect">
+            <a:avLst/>
+          </a:prstGeom>
+          <a:noFill/>
+        </p:spPr>
+        <p:txBody>
+          <a:bodyPr wrap="square" rtlCol="0">
+            <a:spAutoFit/>
+          </a:bodyPr>
+          <a:lstStyle/>
+          <a:p>
+            <a:r>
+              <a:rPr lang="es-ES" sz="2400" dirty="0">
+                <a:hlinkClick r:id="rId4"/>
+              </a:rPr>
+              <a:t>https://huggingface.co/San73r/chatbot_HTML5</a:t>
+            </a:r>
+            <a:endParaRPr lang="es-ES" sz="2400" dirty="0"/>
+          </a:p>
+          <a:p>
+            <a:endParaRPr lang="es-ES" sz="2400" dirty="0"/>
+          </a:p>
+        </p:txBody>
+      </p:sp>
+    </p:spTree>
+    <p:extLst>
+      <p:ext uri="{BB962C8B-B14F-4D97-AF65-F5344CB8AC3E}">
+        <p14:creationId xmlns:p14="http://schemas.microsoft.com/office/powerpoint/2010/main" val="483525030"/>
       </p:ext>
     </p:extLst>
   </p:cSld>
